--- a/Telegram бот.pptx
+++ b/Telegram бот.pptx
@@ -9,10 +9,10 @@
     <p:sldId id="260" r:id="rId3"/>
     <p:sldId id="257" r:id="rId4"/>
     <p:sldId id="258" r:id="rId5"/>
-    <p:sldId id="259" r:id="rId6"/>
-    <p:sldId id="261" r:id="rId7"/>
-    <p:sldId id="262" r:id="rId8"/>
-    <p:sldId id="263" r:id="rId9"/>
+    <p:sldId id="263" r:id="rId6"/>
+    <p:sldId id="259" r:id="rId7"/>
+    <p:sldId id="261" r:id="rId8"/>
+    <p:sldId id="262" r:id="rId9"/>
     <p:sldId id="264" r:id="rId10"/>
   </p:sldIdLst>
   <p:sldSz cx="12192000" cy="6858000"/>
@@ -3786,6 +3786,19 @@
               <a:cs typeface="Segoe UI" panose="020B0502040204020203" pitchFamily="34" charset="0"/>
             </a:endParaRPr>
           </a:p>
+          <a:p>
+            <a:r>
+              <a:rPr lang="en-US" dirty="0" err="1" smtClean="0">
+                <a:latin typeface="Segoe UI" panose="020B0502040204020203" pitchFamily="34" charset="0"/>
+                <a:cs typeface="Segoe UI" panose="020B0502040204020203" pitchFamily="34" charset="0"/>
+              </a:rPr>
+              <a:t>Topshelf</a:t>
+            </a:r>
+            <a:endParaRPr lang="en-US" dirty="0" smtClean="0">
+              <a:latin typeface="Segoe UI" panose="020B0502040204020203" pitchFamily="34" charset="0"/>
+              <a:cs typeface="Segoe UI" panose="020B0502040204020203" pitchFamily="34" charset="0"/>
+            </a:endParaRPr>
+          </a:p>
         </p:txBody>
       </p:sp>
       <p:pic>
@@ -3939,8 +3952,49 @@
         </p:blipFill>
         <p:spPr bwMode="auto">
           <a:xfrm>
-            <a:off x="5486445" y="5204194"/>
-            <a:ext cx="4754881" cy="1114427"/>
+            <a:off x="3849007" y="5175409"/>
+            <a:ext cx="4574330" cy="1114427"/>
+          </a:xfrm>
+          <a:prstGeom prst="rect">
+            <a:avLst/>
+          </a:prstGeom>
+          <a:noFill/>
+          <a:extLst>
+            <a:ext uri="{909E8E84-426E-40DD-AFC4-6F175D3DCCD1}">
+              <a14:hiddenFill xmlns:a14="http://schemas.microsoft.com/office/drawing/2010/main">
+                <a:solidFill>
+                  <a:srgbClr val="FFFFFF"/>
+                </a:solidFill>
+              </a14:hiddenFill>
+            </a:ext>
+          </a:extLst>
+        </p:spPr>
+      </p:pic>
+      <p:pic>
+        <p:nvPicPr>
+          <p:cNvPr id="1026" name="Picture 2" descr="Картинки по запросу topshelf"/>
+          <p:cNvPicPr>
+            <a:picLocks noChangeAspect="1" noChangeArrowheads="1"/>
+          </p:cNvPicPr>
+          <p:nvPr/>
+        </p:nvPicPr>
+        <p:blipFill>
+          <a:blip r:embed="rId6">
+            <a:extLst>
+              <a:ext uri="{28A0092B-C50C-407E-A947-70E740481C1C}">
+                <a14:useLocalDpi xmlns:a14="http://schemas.microsoft.com/office/drawing/2010/main" val="0"/>
+              </a:ext>
+            </a:extLst>
+          </a:blip>
+          <a:srcRect/>
+          <a:stretch>
+            <a:fillRect/>
+          </a:stretch>
+        </p:blipFill>
+        <p:spPr bwMode="auto">
+          <a:xfrm>
+            <a:off x="8423337" y="4431081"/>
+            <a:ext cx="2726234" cy="2370638"/>
           </a:xfrm>
           <a:prstGeom prst="rect">
             <a:avLst/>
@@ -4396,6 +4450,157 @@
             <p:ph type="title"/>
           </p:nvPr>
         </p:nvSpPr>
+        <p:spPr>
+          <a:xfrm>
+            <a:off x="787400" y="71438"/>
+            <a:ext cx="10515600" cy="1325563"/>
+          </a:xfrm>
+        </p:spPr>
+        <p:txBody>
+          <a:bodyPr>
+            <a:normAutofit/>
+          </a:bodyPr>
+          <a:lstStyle/>
+          <a:p>
+            <a:pPr algn="ctr"/>
+            <a:r>
+              <a:rPr lang="ru-RU" dirty="0">
+                <a:latin typeface="Segoe UI" panose="020B0502040204020203" pitchFamily="34" charset="0"/>
+                <a:cs typeface="Segoe UI" panose="020B0502040204020203" pitchFamily="34" charset="0"/>
+              </a:rPr>
+              <a:t>Общая структура решения</a:t>
+            </a:r>
+            <a:endParaRPr lang="ru-RU" dirty="0">
+              <a:latin typeface="Segoe UI" panose="020B0502040204020203" pitchFamily="34" charset="0"/>
+              <a:cs typeface="Segoe UI" panose="020B0502040204020203" pitchFamily="34" charset="0"/>
+            </a:endParaRPr>
+          </a:p>
+        </p:txBody>
+      </p:sp>
+      <p:pic>
+        <p:nvPicPr>
+          <p:cNvPr id="9" name="Рисунок 8"/>
+          <p:cNvPicPr>
+            <a:picLocks noChangeAspect="1"/>
+          </p:cNvPicPr>
+          <p:nvPr/>
+        </p:nvPicPr>
+        <p:blipFill>
+          <a:blip r:embed="rId2"/>
+          <a:stretch>
+            <a:fillRect/>
+          </a:stretch>
+        </p:blipFill>
+        <p:spPr>
+          <a:xfrm>
+            <a:off x="7615695" y="1384933"/>
+            <a:ext cx="4576305" cy="2675262"/>
+          </a:xfrm>
+          <a:prstGeom prst="rect">
+            <a:avLst/>
+          </a:prstGeom>
+        </p:spPr>
+      </p:pic>
+      <p:pic>
+        <p:nvPicPr>
+          <p:cNvPr id="10" name="Рисунок 9"/>
+          <p:cNvPicPr>
+            <a:picLocks noChangeAspect="1"/>
+          </p:cNvPicPr>
+          <p:nvPr/>
+        </p:nvPicPr>
+        <p:blipFill>
+          <a:blip r:embed="rId3"/>
+          <a:stretch>
+            <a:fillRect/>
+          </a:stretch>
+        </p:blipFill>
+        <p:spPr>
+          <a:xfrm>
+            <a:off x="7615695" y="4060195"/>
+            <a:ext cx="3526922" cy="1837144"/>
+          </a:xfrm>
+          <a:prstGeom prst="rect">
+            <a:avLst/>
+          </a:prstGeom>
+        </p:spPr>
+      </p:pic>
+      <p:pic>
+        <p:nvPicPr>
+          <p:cNvPr id="3" name="Рисунок 2"/>
+          <p:cNvPicPr>
+            <a:picLocks noChangeAspect="1"/>
+          </p:cNvPicPr>
+          <p:nvPr/>
+        </p:nvPicPr>
+        <p:blipFill rotWithShape="1">
+          <a:blip r:embed="rId4">
+            <a:extLst>
+              <a:ext uri="{28A0092B-C50C-407E-A947-70E740481C1C}">
+                <a14:useLocalDpi xmlns:a14="http://schemas.microsoft.com/office/drawing/2010/main" val="0"/>
+              </a:ext>
+            </a:extLst>
+          </a:blip>
+          <a:srcRect l="14571" t="26465" r="22107" b="13506"/>
+          <a:stretch/>
+        </p:blipFill>
+        <p:spPr>
+          <a:xfrm>
+            <a:off x="90254" y="1397001"/>
+            <a:ext cx="7525441" cy="4011022"/>
+          </a:xfrm>
+          <a:prstGeom prst="rect">
+            <a:avLst/>
+          </a:prstGeom>
+        </p:spPr>
+      </p:pic>
+    </p:spTree>
+    <p:extLst>
+      <p:ext uri="{BB962C8B-B14F-4D97-AF65-F5344CB8AC3E}">
+        <p14:creationId xmlns:p14="http://schemas.microsoft.com/office/powerpoint/2010/main" val="2082869030"/>
+      </p:ext>
+    </p:extLst>
+  </p:cSld>
+  <p:clrMapOvr>
+    <a:masterClrMapping/>
+  </p:clrMapOvr>
+  <p:timing>
+    <p:tnLst>
+      <p:par>
+        <p:cTn id="1" dur="indefinite" restart="never" nodeType="tmRoot"/>
+      </p:par>
+    </p:tnLst>
+  </p:timing>
+</p:sld>
+</file>
+
+<file path=ppt/slides/slide6.xml><?xml version="1.0" encoding="utf-8"?>
+<p:sld xmlns:a="http://schemas.openxmlformats.org/drawingml/2006/main" xmlns:r="http://schemas.openxmlformats.org/officeDocument/2006/relationships" xmlns:p="http://schemas.openxmlformats.org/presentationml/2006/main">
+  <p:cSld>
+    <p:spTree>
+      <p:nvGrpSpPr>
+        <p:cNvPr id="1" name=""/>
+        <p:cNvGrpSpPr/>
+        <p:nvPr/>
+      </p:nvGrpSpPr>
+      <p:grpSpPr>
+        <a:xfrm>
+          <a:off x="0" y="0"/>
+          <a:ext cx="0" cy="0"/>
+          <a:chOff x="0" y="0"/>
+          <a:chExt cx="0" cy="0"/>
+        </a:xfrm>
+      </p:grpSpPr>
+      <p:sp>
+        <p:nvSpPr>
+          <p:cNvPr id="2" name="Заголовок 1"/>
+          <p:cNvSpPr>
+            <a:spLocks noGrp="1"/>
+          </p:cNvSpPr>
+          <p:nvPr>
+            <p:ph type="title"/>
+          </p:nvPr>
+        </p:nvSpPr>
         <p:spPr/>
         <p:txBody>
           <a:bodyPr/>
@@ -4551,7 +4756,7 @@
 </p:sld>
 </file>
 
-<file path=ppt/slides/slide6.xml><?xml version="1.0" encoding="utf-8"?>
+<file path=ppt/slides/slide7.xml><?xml version="1.0" encoding="utf-8"?>
 <p:sld xmlns:a="http://schemas.openxmlformats.org/drawingml/2006/main" xmlns:r="http://schemas.openxmlformats.org/officeDocument/2006/relationships" xmlns:p="http://schemas.openxmlformats.org/presentationml/2006/main">
   <p:cSld>
     <p:spTree>
@@ -4615,103 +4820,87 @@
           </a:xfrm>
         </p:spPr>
         <p:txBody>
-          <a:bodyPr/>
-          <a:lstStyle/>
-          <a:p>
-            <a:r>
-              <a:rPr lang="ru-RU" dirty="0" smtClean="0">
-                <a:latin typeface="Segoe UI" panose="020B0502040204020203" pitchFamily="34" charset="0"/>
-                <a:cs typeface="Segoe UI" panose="020B0502040204020203" pitchFamily="34" charset="0"/>
-              </a:rPr>
-              <a:t>Добавление </a:t>
-            </a:r>
-            <a:r>
-              <a:rPr lang="ru-RU" dirty="0" smtClean="0">
-                <a:latin typeface="Segoe UI" panose="020B0502040204020203" pitchFamily="34" charset="0"/>
-                <a:cs typeface="Segoe UI" panose="020B0502040204020203" pitchFamily="34" charset="0"/>
-              </a:rPr>
-              <a:t>других источников информации из мира кино (</a:t>
-            </a:r>
-            <a:r>
-              <a:rPr lang="ru-RU" dirty="0" err="1" smtClean="0">
+          <a:bodyPr>
+            <a:normAutofit/>
+          </a:bodyPr>
+          <a:lstStyle/>
+          <a:p>
+            <a:r>
+              <a:rPr lang="ru-RU" dirty="0">
+                <a:latin typeface="Segoe UI" panose="020B0502040204020203" pitchFamily="34" charset="0"/>
+                <a:cs typeface="Segoe UI" panose="020B0502040204020203" pitchFamily="34" charset="0"/>
+              </a:rPr>
+              <a:t>Добавление других источников информации из мира кино (</a:t>
+            </a:r>
+            <a:r>
+              <a:rPr lang="ru-RU" dirty="0" err="1">
                 <a:latin typeface="Segoe UI" panose="020B0502040204020203" pitchFamily="34" charset="0"/>
                 <a:cs typeface="Segoe UI" panose="020B0502040204020203" pitchFamily="34" charset="0"/>
               </a:rPr>
               <a:t>TMDb</a:t>
             </a:r>
             <a:r>
-              <a:rPr lang="ru-RU" dirty="0" smtClean="0">
+              <a:rPr lang="ru-RU" dirty="0">
                 <a:latin typeface="Segoe UI" panose="020B0502040204020203" pitchFamily="34" charset="0"/>
                 <a:cs typeface="Segoe UI" panose="020B0502040204020203" pitchFamily="34" charset="0"/>
               </a:rPr>
               <a:t>, </a:t>
             </a:r>
             <a:r>
-              <a:rPr lang="en-US" dirty="0" err="1" smtClean="0">
+              <a:rPr lang="en-US" dirty="0" err="1">
                 <a:latin typeface="Segoe UI" panose="020B0502040204020203" pitchFamily="34" charset="0"/>
                 <a:cs typeface="Segoe UI" panose="020B0502040204020203" pitchFamily="34" charset="0"/>
               </a:rPr>
               <a:t>a</a:t>
             </a:r>
             <a:r>
-              <a:rPr lang="ru-RU" dirty="0" err="1" smtClean="0">
+              <a:rPr lang="ru-RU" dirty="0" err="1">
                 <a:latin typeface="Segoe UI" panose="020B0502040204020203" pitchFamily="34" charset="0"/>
                 <a:cs typeface="Segoe UI" panose="020B0502040204020203" pitchFamily="34" charset="0"/>
               </a:rPr>
               <a:t>pi</a:t>
             </a:r>
             <a:r>
-              <a:rPr lang="ru-RU" dirty="0" smtClean="0">
+              <a:rPr lang="ru-RU" dirty="0">
                 <a:latin typeface="Segoe UI" panose="020B0502040204020203" pitchFamily="34" charset="0"/>
                 <a:cs typeface="Segoe UI" panose="020B0502040204020203" pitchFamily="34" charset="0"/>
               </a:rPr>
               <a:t> </a:t>
             </a:r>
             <a:r>
-              <a:rPr lang="ru-RU" dirty="0" err="1" smtClean="0">
+              <a:rPr lang="ru-RU" dirty="0" err="1">
                 <a:latin typeface="Segoe UI" panose="020B0502040204020203" pitchFamily="34" charset="0"/>
                 <a:cs typeface="Segoe UI" panose="020B0502040204020203" pitchFamily="34" charset="0"/>
               </a:rPr>
               <a:t>други</a:t>
             </a:r>
             <a:r>
-              <a:rPr lang="en-US" dirty="0" smtClean="0">
+              <a:rPr lang="en-US" dirty="0">
                 <a:latin typeface="Segoe UI" panose="020B0502040204020203" pitchFamily="34" charset="0"/>
                 <a:cs typeface="Segoe UI" panose="020B0502040204020203" pitchFamily="34" charset="0"/>
               </a:rPr>
               <a:t>x </a:t>
             </a:r>
             <a:r>
-              <a:rPr lang="ru-RU" dirty="0" smtClean="0">
-                <a:latin typeface="Segoe UI" panose="020B0502040204020203" pitchFamily="34" charset="0"/>
-                <a:cs typeface="Segoe UI" panose="020B0502040204020203" pitchFamily="34" charset="0"/>
-              </a:rPr>
-              <a:t>сайтов</a:t>
-            </a:r>
-            <a:r>
-              <a:rPr lang="ru-RU" dirty="0" smtClean="0">
-                <a:latin typeface="Segoe UI" panose="020B0502040204020203" pitchFamily="34" charset="0"/>
-                <a:cs typeface="Segoe UI" panose="020B0502040204020203" pitchFamily="34" charset="0"/>
-              </a:rPr>
-              <a:t>)</a:t>
-            </a:r>
-            <a:endParaRPr lang="en-US" dirty="0" smtClean="0">
+              <a:rPr lang="ru-RU" dirty="0">
+                <a:latin typeface="Segoe UI" panose="020B0502040204020203" pitchFamily="34" charset="0"/>
+                <a:cs typeface="Segoe UI" panose="020B0502040204020203" pitchFamily="34" charset="0"/>
+              </a:rPr>
+              <a:t>сайтов)</a:t>
+            </a:r>
+            <a:endParaRPr lang="en-US" dirty="0">
               <a:latin typeface="Segoe UI" panose="020B0502040204020203" pitchFamily="34" charset="0"/>
               <a:cs typeface="Segoe UI" panose="020B0502040204020203" pitchFamily="34" charset="0"/>
             </a:endParaRPr>
           </a:p>
           <a:p>
             <a:r>
-              <a:rPr lang="ru-RU" dirty="0" smtClean="0">
+              <a:rPr lang="ru-RU" dirty="0">
                 <a:latin typeface="Segoe UI" panose="020B0502040204020203" pitchFamily="34" charset="0"/>
                 <a:cs typeface="Segoe UI" panose="020B0502040204020203" pitchFamily="34" charset="0"/>
               </a:rPr>
               <a:t>Добавление новых языков</a:t>
             </a:r>
-            <a:endParaRPr lang="ru-RU" dirty="0" smtClean="0">
-              <a:latin typeface="Segoe UI" panose="020B0502040204020203" pitchFamily="34" charset="0"/>
-              <a:cs typeface="Segoe UI" panose="020B0502040204020203" pitchFamily="34" charset="0"/>
-            </a:endParaRPr>
           </a:p>
         </p:txBody>
       </p:sp>
@@ -4764,7 +4953,7 @@
 </p:sld>
 </file>
 
-<file path=ppt/slides/slide7.xml><?xml version="1.0" encoding="utf-8"?>
+<file path=ppt/slides/slide8.xml><?xml version="1.0" encoding="utf-8"?>
 <p:sld xmlns:a="http://schemas.openxmlformats.org/drawingml/2006/main" xmlns:r="http://schemas.openxmlformats.org/officeDocument/2006/relationships" xmlns:p="http://schemas.openxmlformats.org/presentationml/2006/main">
   <p:cSld>
     <p:spTree>
@@ -4791,49 +4980,70 @@
             <p:ph type="title"/>
           </p:nvPr>
         </p:nvSpPr>
-        <p:spPr/>
-        <p:txBody>
-          <a:bodyPr/>
-          <a:lstStyle/>
-          <a:p>
-            <a:pPr algn="ctr"/>
-            <a:r>
-              <a:rPr lang="en-US" dirty="0" smtClean="0"/>
-              <a:t>Di-</a:t>
-            </a:r>
-            <a:r>
-              <a:rPr lang="ru-RU" dirty="0" smtClean="0"/>
-              <a:t>контейнер</a:t>
-            </a:r>
-            <a:endParaRPr lang="ru-RU" dirty="0"/>
-          </a:p>
-        </p:txBody>
-      </p:sp>
-      <p:sp>
-        <p:nvSpPr>
-          <p:cNvPr id="3" name="Объект 2"/>
-          <p:cNvSpPr>
-            <a:spLocks noGrp="1"/>
-          </p:cNvSpPr>
-          <p:nvPr>
-            <p:ph idx="1"/>
-          </p:nvPr>
-        </p:nvSpPr>
         <p:spPr>
           <a:xfrm>
-            <a:off x="838200" y="1355725"/>
-            <a:ext cx="10515600" cy="4351338"/>
+            <a:off x="838200" y="169182"/>
+            <a:ext cx="10515600" cy="1325563"/>
           </a:xfrm>
         </p:spPr>
         <p:txBody>
-          <a:bodyPr/>
+          <a:bodyPr>
+            <a:normAutofit/>
+          </a:bodyPr>
+          <a:lstStyle/>
+          <a:p>
+            <a:pPr algn="ctr"/>
+            <a:r>
+              <a:rPr lang="en-US" dirty="0">
+                <a:latin typeface="Segoe UI" panose="020B0502040204020203" pitchFamily="34" charset="0"/>
+                <a:cs typeface="Segoe UI" panose="020B0502040204020203" pitchFamily="34" charset="0"/>
+              </a:rPr>
+              <a:t>Di-</a:t>
+            </a:r>
+            <a:r>
+              <a:rPr lang="ru-RU" dirty="0">
+                <a:latin typeface="Segoe UI" panose="020B0502040204020203" pitchFamily="34" charset="0"/>
+                <a:cs typeface="Segoe UI" panose="020B0502040204020203" pitchFamily="34" charset="0"/>
+              </a:rPr>
+              <a:t>контейнер</a:t>
+            </a:r>
+            <a:endParaRPr lang="ru-RU" dirty="0">
+              <a:latin typeface="Segoe UI" panose="020B0502040204020203" pitchFamily="34" charset="0"/>
+              <a:cs typeface="Segoe UI" panose="020B0502040204020203" pitchFamily="34" charset="0"/>
+            </a:endParaRPr>
+          </a:p>
+        </p:txBody>
+      </p:sp>
+      <p:sp>
+        <p:nvSpPr>
+          <p:cNvPr id="3" name="Объект 2"/>
+          <p:cNvSpPr>
+            <a:spLocks noGrp="1"/>
+          </p:cNvSpPr>
+          <p:nvPr>
+            <p:ph idx="1"/>
+          </p:nvPr>
+        </p:nvSpPr>
+        <p:spPr>
+          <a:xfrm>
+            <a:off x="471487" y="1055279"/>
+            <a:ext cx="10882313" cy="4351338"/>
+          </a:xfrm>
+        </p:spPr>
+        <p:txBody>
+          <a:bodyPr>
+            <a:normAutofit/>
+          </a:bodyPr>
           <a:lstStyle/>
           <a:p>
             <a:pPr marL="0" indent="0">
               <a:buNone/>
             </a:pPr>
             <a:r>
-              <a:rPr lang="ru-RU" dirty="0" smtClean="0"/>
+              <a:rPr lang="ru-RU" dirty="0">
+                <a:latin typeface="Segoe UI" panose="020B0502040204020203" pitchFamily="34" charset="0"/>
+                <a:cs typeface="Segoe UI" panose="020B0502040204020203" pitchFamily="34" charset="0"/>
+              </a:rPr>
               <a:t>Особенности реализации:</a:t>
             </a:r>
           </a:p>
@@ -4842,48 +5052,81 @@
               <a:buAutoNum type="arabicParenR"/>
             </a:pPr>
             <a:r>
-              <a:rPr lang="ru-RU" dirty="0" smtClean="0"/>
+              <a:rPr lang="ru-RU" dirty="0">
+                <a:latin typeface="Segoe UI" panose="020B0502040204020203" pitchFamily="34" charset="0"/>
+                <a:cs typeface="Segoe UI" panose="020B0502040204020203" pitchFamily="34" charset="0"/>
+              </a:rPr>
               <a:t>Устранение циклических зависимостей между </a:t>
             </a:r>
             <a:r>
-              <a:rPr lang="en-US" dirty="0" err="1" smtClean="0"/>
+              <a:rPr lang="en-US" dirty="0" err="1">
+                <a:latin typeface="Segoe UI" panose="020B0502040204020203" pitchFamily="34" charset="0"/>
+                <a:cs typeface="Segoe UI" panose="020B0502040204020203" pitchFamily="34" charset="0"/>
+              </a:rPr>
               <a:t>CommandExecutor</a:t>
             </a:r>
             <a:r>
-              <a:rPr lang="ru-RU" dirty="0" smtClean="0"/>
+              <a:rPr lang="ru-RU" dirty="0">
+                <a:latin typeface="Segoe UI" panose="020B0502040204020203" pitchFamily="34" charset="0"/>
+                <a:cs typeface="Segoe UI" panose="020B0502040204020203" pitchFamily="34" charset="0"/>
+              </a:rPr>
               <a:t> и классами </a:t>
             </a:r>
             <a:r>
-              <a:rPr lang="en-US" dirty="0" err="1" smtClean="0"/>
+              <a:rPr lang="en-US" dirty="0" err="1">
+                <a:latin typeface="Segoe UI" panose="020B0502040204020203" pitchFamily="34" charset="0"/>
+                <a:cs typeface="Segoe UI" panose="020B0502040204020203" pitchFamily="34" charset="0"/>
+              </a:rPr>
               <a:t>HelpCommand</a:t>
             </a:r>
             <a:r>
-              <a:rPr lang="en-US" dirty="0" smtClean="0"/>
+              <a:rPr lang="en-US" dirty="0">
+                <a:latin typeface="Segoe UI" panose="020B0502040204020203" pitchFamily="34" charset="0"/>
+                <a:cs typeface="Segoe UI" panose="020B0502040204020203" pitchFamily="34" charset="0"/>
+              </a:rPr>
               <a:t> </a:t>
             </a:r>
             <a:r>
-              <a:rPr lang="ru-RU" dirty="0" smtClean="0"/>
+              <a:rPr lang="ru-RU" dirty="0">
+                <a:latin typeface="Segoe UI" panose="020B0502040204020203" pitchFamily="34" charset="0"/>
+                <a:cs typeface="Segoe UI" panose="020B0502040204020203" pitchFamily="34" charset="0"/>
+              </a:rPr>
               <a:t>и </a:t>
             </a:r>
             <a:r>
-              <a:rPr lang="en-US" dirty="0" err="1" smtClean="0"/>
+              <a:rPr lang="en-US" dirty="0" err="1">
+                <a:latin typeface="Segoe UI" panose="020B0502040204020203" pitchFamily="34" charset="0"/>
+                <a:cs typeface="Segoe UI" panose="020B0502040204020203" pitchFamily="34" charset="0"/>
+              </a:rPr>
               <a:t>StartCommand</a:t>
             </a:r>
-            <a:endParaRPr lang="en-US" dirty="0" smtClean="0"/>
+            <a:endParaRPr lang="en-US" dirty="0">
+              <a:latin typeface="Segoe UI" panose="020B0502040204020203" pitchFamily="34" charset="0"/>
+              <a:cs typeface="Segoe UI" panose="020B0502040204020203" pitchFamily="34" charset="0"/>
+            </a:endParaRPr>
           </a:p>
           <a:p>
             <a:pPr marL="514350" indent="-514350">
               <a:buAutoNum type="arabicParenR"/>
             </a:pPr>
             <a:r>
-              <a:rPr lang="ru-RU" dirty="0" smtClean="0"/>
+              <a:rPr lang="ru-RU" dirty="0">
+                <a:latin typeface="Segoe UI" panose="020B0502040204020203" pitchFamily="34" charset="0"/>
+                <a:cs typeface="Segoe UI" panose="020B0502040204020203" pitchFamily="34" charset="0"/>
+              </a:rPr>
               <a:t>Для сокращения количества кода при связывании команд использовали </a:t>
             </a:r>
             <a:r>
-              <a:rPr lang="en-US" dirty="0" err="1" smtClean="0"/>
+              <a:rPr lang="en-US" dirty="0" err="1">
+                <a:latin typeface="Segoe UI" panose="020B0502040204020203" pitchFamily="34" charset="0"/>
+                <a:cs typeface="Segoe UI" panose="020B0502040204020203" pitchFamily="34" charset="0"/>
+              </a:rPr>
               <a:t>Ninject.Extensions.Conventions</a:t>
             </a:r>
-            <a:endParaRPr lang="ru-RU" dirty="0"/>
+            <a:endParaRPr lang="ru-RU" dirty="0">
+              <a:latin typeface="Segoe UI" panose="020B0502040204020203" pitchFamily="34" charset="0"/>
+              <a:cs typeface="Segoe UI" panose="020B0502040204020203" pitchFamily="34" charset="0"/>
+            </a:endParaRPr>
           </a:p>
         </p:txBody>
       </p:sp>
@@ -4935,143 +5178,6 @@
 </p:sld>
 </file>
 
-<file path=ppt/slides/slide8.xml><?xml version="1.0" encoding="utf-8"?>
-<p:sld xmlns:a="http://schemas.openxmlformats.org/drawingml/2006/main" xmlns:r="http://schemas.openxmlformats.org/officeDocument/2006/relationships" xmlns:p="http://schemas.openxmlformats.org/presentationml/2006/main">
-  <p:cSld>
-    <p:spTree>
-      <p:nvGrpSpPr>
-        <p:cNvPr id="1" name=""/>
-        <p:cNvGrpSpPr/>
-        <p:nvPr/>
-      </p:nvGrpSpPr>
-      <p:grpSpPr>
-        <a:xfrm>
-          <a:off x="0" y="0"/>
-          <a:ext cx="0" cy="0"/>
-          <a:chOff x="0" y="0"/>
-          <a:chExt cx="0" cy="0"/>
-        </a:xfrm>
-      </p:grpSpPr>
-      <p:sp>
-        <p:nvSpPr>
-          <p:cNvPr id="2" name="Заголовок 1"/>
-          <p:cNvSpPr>
-            <a:spLocks noGrp="1"/>
-          </p:cNvSpPr>
-          <p:nvPr>
-            <p:ph type="title"/>
-          </p:nvPr>
-        </p:nvSpPr>
-        <p:spPr>
-          <a:xfrm>
-            <a:off x="787400" y="71438"/>
-            <a:ext cx="10515600" cy="1325563"/>
-          </a:xfrm>
-        </p:spPr>
-        <p:txBody>
-          <a:bodyPr/>
-          <a:lstStyle/>
-          <a:p>
-            <a:pPr algn="ctr"/>
-            <a:r>
-              <a:rPr lang="ru-RU" dirty="0" smtClean="0"/>
-              <a:t>Общая структура решения</a:t>
-            </a:r>
-            <a:endParaRPr lang="ru-RU" dirty="0"/>
-          </a:p>
-        </p:txBody>
-      </p:sp>
-      <p:pic>
-        <p:nvPicPr>
-          <p:cNvPr id="9" name="Рисунок 8"/>
-          <p:cNvPicPr>
-            <a:picLocks noChangeAspect="1"/>
-          </p:cNvPicPr>
-          <p:nvPr/>
-        </p:nvPicPr>
-        <p:blipFill>
-          <a:blip r:embed="rId2"/>
-          <a:stretch>
-            <a:fillRect/>
-          </a:stretch>
-        </p:blipFill>
-        <p:spPr>
-          <a:xfrm>
-            <a:off x="1477962" y="3992238"/>
-            <a:ext cx="4970156" cy="2675262"/>
-          </a:xfrm>
-          <a:prstGeom prst="rect">
-            <a:avLst/>
-          </a:prstGeom>
-        </p:spPr>
-      </p:pic>
-      <p:pic>
-        <p:nvPicPr>
-          <p:cNvPr id="10" name="Рисунок 9"/>
-          <p:cNvPicPr>
-            <a:picLocks noChangeAspect="1"/>
-          </p:cNvPicPr>
-          <p:nvPr/>
-        </p:nvPicPr>
-        <p:blipFill>
-          <a:blip r:embed="rId3"/>
-          <a:stretch>
-            <a:fillRect/>
-          </a:stretch>
-        </p:blipFill>
-        <p:spPr>
-          <a:xfrm>
-            <a:off x="6448117" y="3992238"/>
-            <a:ext cx="4164319" cy="1862462"/>
-          </a:xfrm>
-          <a:prstGeom prst="rect">
-            <a:avLst/>
-          </a:prstGeom>
-        </p:spPr>
-      </p:pic>
-      <p:pic>
-        <p:nvPicPr>
-          <p:cNvPr id="11" name="Рисунок 10"/>
-          <p:cNvPicPr>
-            <a:picLocks noChangeAspect="1"/>
-          </p:cNvPicPr>
-          <p:nvPr/>
-        </p:nvPicPr>
-        <p:blipFill rotWithShape="1">
-          <a:blip r:embed="rId4"/>
-          <a:srcRect b="26519"/>
-          <a:stretch/>
-        </p:blipFill>
-        <p:spPr>
-          <a:xfrm>
-            <a:off x="1477962" y="998213"/>
-            <a:ext cx="9134475" cy="2862587"/>
-          </a:xfrm>
-          <a:prstGeom prst="rect">
-            <a:avLst/>
-          </a:prstGeom>
-        </p:spPr>
-      </p:pic>
-    </p:spTree>
-    <p:extLst>
-      <p:ext uri="{BB962C8B-B14F-4D97-AF65-F5344CB8AC3E}">
-        <p14:creationId xmlns:p14="http://schemas.microsoft.com/office/powerpoint/2010/main" val="2082869030"/>
-      </p:ext>
-    </p:extLst>
-  </p:cSld>
-  <p:clrMapOvr>
-    <a:masterClrMapping/>
-  </p:clrMapOvr>
-  <p:timing>
-    <p:tnLst>
-      <p:par>
-        <p:cTn id="1" dur="indefinite" restart="never" nodeType="tmRoot"/>
-      </p:par>
-    </p:tnLst>
-  </p:timing>
-</p:sld>
-</file>
-
 <file path=ppt/slides/slide9.xml><?xml version="1.0" encoding="utf-8"?>
 <p:sld xmlns:a="http://schemas.openxmlformats.org/drawingml/2006/main" xmlns:r="http://schemas.openxmlformats.org/officeDocument/2006/relationships" xmlns:p="http://schemas.openxmlformats.org/presentationml/2006/main">
   <p:cSld>
@@ -5107,7 +5213,7 @@
             <a:pPr algn="ctr"/>
             <a:r>
               <a:rPr lang="ru-RU" dirty="0" smtClean="0"/>
-              <a:t>Зависимости между слоями</a:t>
+              <a:t>Тестирование</a:t>
             </a:r>
             <a:endParaRPr lang="ru-RU" dirty="0"/>
           </a:p>
@@ -5129,32 +5235,8 @@
         </p:blipFill>
         <p:spPr>
           <a:xfrm>
-            <a:off x="622301" y="1473686"/>
-            <a:ext cx="5308600" cy="2857435"/>
-          </a:xfrm>
-          <a:prstGeom prst="rect">
-            <a:avLst/>
-          </a:prstGeom>
-        </p:spPr>
-      </p:pic>
-      <p:pic>
-        <p:nvPicPr>
-          <p:cNvPr id="5" name="Рисунок 4"/>
-          <p:cNvPicPr>
-            <a:picLocks noChangeAspect="1"/>
-          </p:cNvPicPr>
-          <p:nvPr/>
-        </p:nvPicPr>
-        <p:blipFill>
-          <a:blip r:embed="rId3"/>
-          <a:stretch>
-            <a:fillRect/>
-          </a:stretch>
-        </p:blipFill>
-        <p:spPr>
-          <a:xfrm>
-            <a:off x="6307859" y="1473686"/>
-            <a:ext cx="4042641" cy="1852877"/>
+            <a:off x="2362474" y="1266144"/>
+            <a:ext cx="7467052" cy="5487353"/>
           </a:xfrm>
           <a:prstGeom prst="rect">
             <a:avLst/>
@@ -5164,7 +5246,7 @@
     </p:spTree>
     <p:extLst>
       <p:ext uri="{BB962C8B-B14F-4D97-AF65-F5344CB8AC3E}">
-        <p14:creationId xmlns:p14="http://schemas.microsoft.com/office/powerpoint/2010/main" val="178209910"/>
+        <p14:creationId xmlns:p14="http://schemas.microsoft.com/office/powerpoint/2010/main" val="667029580"/>
       </p:ext>
     </p:extLst>
   </p:cSld>
